--- a/presentation/Presentation.pptx
+++ b/presentation/Presentation.pptx
@@ -8099,11 +8099,7 @@
           <a:p>
             <a:r>
               <a:rPr lang="de-DE" dirty="0"/>
-              <a:t>Air Quality Forecast </a:t>
-            </a:r>
-            <a:r>
-              <a:rPr lang="de-DE" dirty="0" err="1"/>
-              <a:t>challenge</a:t>
+              <a:t>Air Quality Forecast Challenge</a:t>
             </a:r>
             <a:endParaRPr lang="de-CH" dirty="0"/>
           </a:p>

--- a/presentation/Presentation.pptx
+++ b/presentation/Presentation.pptx
@@ -11965,22 +11965,45 @@
           <a:lstStyle/>
           <a:p>
             <a:r>
-              <a:rPr lang="de-DE" dirty="0"/>
-              <a:t>Content title 1</a:t>
-            </a:r>
-          </a:p>
-          <a:p>
-            <a:r>
-              <a:rPr lang="de-DE" dirty="0"/>
-              <a:t>Content title 2</a:t>
-            </a:r>
-          </a:p>
-          <a:p>
-            <a:r>
-              <a:rPr lang="de-DE" dirty="0"/>
-              <a:t>etc.</a:t>
-            </a:r>
-            <a:endParaRPr lang="de-CH" dirty="0"/>
+              <a:rPr lang="en-US" dirty="0"/>
+              <a:t>Data pipeline setup</a:t>
+            </a:r>
+          </a:p>
+          <a:p>
+            <a:r>
+              <a:rPr lang="en-US" dirty="0"/>
+              <a:t>Data visualization</a:t>
+            </a:r>
+          </a:p>
+          <a:p>
+            <a:r>
+              <a:rPr lang="en-US" dirty="0"/>
+              <a:t>Detecting outliers and handling missing values</a:t>
+            </a:r>
+          </a:p>
+          <a:p>
+            <a:r>
+              <a:rPr lang="en-US" dirty="0"/>
+              <a:t>Forecasting PM2.5 time series using a Recurrent Neural Network</a:t>
+            </a:r>
+          </a:p>
+          <a:p>
+            <a:r>
+              <a:rPr lang="en-US" dirty="0"/>
+              <a:t>Comparison of our model with other time-series forecasting methods</a:t>
+            </a:r>
+          </a:p>
+          <a:p>
+            <a:r>
+              <a:rPr lang="en-US" dirty="0"/>
+              <a:t>Criticism regarding our model and the data feeding it</a:t>
+            </a:r>
+          </a:p>
+          <a:p>
+            <a:r>
+              <a:rPr lang="en-US" dirty="0"/>
+              <a:t>Conclusion</a:t>
+            </a:r>
           </a:p>
         </p:txBody>
       </p:sp>
